--- a/Doc/Project Archive Web Application.pptx
+++ b/Doc/Project Archive Web Application.pptx
@@ -217,7 +217,7 @@
           <a:p>
             <a:fld id="{FCCF68BC-C0C1-4740-B1BC-01AF8EFFB980}" type="datetimeFigureOut">
               <a:rPr lang="en-US" smtClean="0"/>
-              <a:t>11/7/2021</a:t>
+              <a:t>11/16/2021</a:t>
             </a:fld>
             <a:endParaRPr lang="en-US" dirty="0"/>
           </a:p>
@@ -866,7 +866,7 @@
             <a:fld id="{A4486D74-B37B-F546-968B-4AC3E7616DD3}" type="datetime1">
               <a:rPr lang="en-US" smtClean="0"/>
               <a:pPr/>
-              <a:t>11/7/2021</a:t>
+              <a:t>11/16/2021</a:t>
             </a:fld>
             <a:endParaRPr lang="en-US" dirty="0"/>
           </a:p>
@@ -1040,7 +1040,7 @@
             <a:fld id="{B1597006-230C-EE41-ACD1-3FF8D7F2D9A3}" type="datetime1">
               <a:rPr lang="en-US" smtClean="0"/>
               <a:pPr/>
-              <a:t>11/7/2021</a:t>
+              <a:t>11/16/2021</a:t>
             </a:fld>
             <a:endParaRPr lang="en-US" dirty="0"/>
           </a:p>
@@ -1713,7 +1713,7 @@
             <a:fld id="{B1597006-230C-EE41-ACD1-3FF8D7F2D9A3}" type="datetime1">
               <a:rPr lang="en-US" smtClean="0"/>
               <a:pPr/>
-              <a:t>11/7/2021</a:t>
+              <a:t>11/16/2021</a:t>
             </a:fld>
             <a:endParaRPr lang="en-US" dirty="0"/>
           </a:p>
@@ -2649,7 +2649,7 @@
             <a:fld id="{95937ADF-F9E1-BA4B-9DD9-49C1B8F55FAB}" type="datetime1">
               <a:rPr lang="en-US" smtClean="0"/>
               <a:pPr/>
-              <a:t>11/7/2021</a:t>
+              <a:t>11/16/2021</a:t>
             </a:fld>
             <a:endParaRPr lang="en-US" dirty="0"/>
           </a:p>
@@ -3154,7 +3154,7 @@
             <a:fld id="{10B419B9-5288-FE4A-9F37-54AAEB8CA389}" type="datetime1">
               <a:rPr lang="en-US" smtClean="0"/>
               <a:pPr/>
-              <a:t>11/7/2021</a:t>
+              <a:t>11/16/2021</a:t>
             </a:fld>
             <a:endParaRPr lang="en-US" dirty="0"/>
           </a:p>
@@ -3976,7 +3976,7 @@
             <a:fld id="{A4486D74-B37B-F546-968B-4AC3E7616DD3}" type="datetime1">
               <a:rPr lang="en-US" smtClean="0"/>
               <a:pPr/>
-              <a:t>11/7/2021</a:t>
+              <a:t>11/16/2021</a:t>
             </a:fld>
             <a:endParaRPr lang="en-US" dirty="0"/>
           </a:p>
@@ -4407,7 +4407,7 @@
             <a:fld id="{A4486D74-B37B-F546-968B-4AC3E7616DD3}" type="datetime1">
               <a:rPr lang="en-US" smtClean="0"/>
               <a:pPr/>
-              <a:t>11/7/2021</a:t>
+              <a:t>11/16/2021</a:t>
             </a:fld>
             <a:endParaRPr lang="en-US" dirty="0"/>
           </a:p>
@@ -4779,7 +4779,7 @@
             <a:fld id="{A4486D74-B37B-F546-968B-4AC3E7616DD3}" type="datetime1">
               <a:rPr lang="en-US" smtClean="0"/>
               <a:pPr/>
-              <a:t>11/7/2021</a:t>
+              <a:t>11/16/2021</a:t>
             </a:fld>
             <a:endParaRPr lang="en-US" dirty="0"/>
           </a:p>
@@ -5156,7 +5156,7 @@
             <a:fld id="{A4486D74-B37B-F546-968B-4AC3E7616DD3}" type="datetime1">
               <a:rPr lang="en-US" smtClean="0"/>
               <a:pPr/>
-              <a:t>11/7/2021</a:t>
+              <a:t>11/16/2021</a:t>
             </a:fld>
             <a:endParaRPr lang="en-US" dirty="0"/>
           </a:p>
@@ -6107,7 +6107,7 @@
             <a:fld id="{A4486D74-B37B-F546-968B-4AC3E7616DD3}" type="datetime1">
               <a:rPr lang="en-US" smtClean="0"/>
               <a:pPr/>
-              <a:t>11/7/2021</a:t>
+              <a:t>11/16/2021</a:t>
             </a:fld>
             <a:endParaRPr lang="en-US" dirty="0"/>
           </a:p>
@@ -7824,7 +7824,7 @@
             <a:fld id="{8BA0ED1B-1813-CA43-9C57-D85969C5BB08}" type="datetime1">
               <a:rPr lang="en-US" smtClean="0"/>
               <a:pPr/>
-              <a:t>11/7/2021</a:t>
+              <a:t>11/16/2021</a:t>
             </a:fld>
             <a:endParaRPr lang="en-US" dirty="0"/>
           </a:p>
@@ -8672,10 +8672,10 @@
         </p:nvGrpSpPr>
         <p:grpSpPr>
           <a:xfrm>
-            <a:off x="735151" y="1406190"/>
-            <a:ext cx="9967292" cy="4891807"/>
+            <a:off x="1112354" y="1525723"/>
+            <a:ext cx="9967292" cy="4142364"/>
             <a:chOff x="953618" y="1235285"/>
-            <a:chExt cx="9967292" cy="4891807"/>
+            <a:chExt cx="9967292" cy="4142364"/>
           </a:xfrm>
         </p:grpSpPr>
         <p:sp>
@@ -10393,94 +10393,6 @@
             </a:p>
           </p:txBody>
         </p:sp>
-        <p:pic>
-          <p:nvPicPr>
-            <p:cNvPr id="51" name="Picture 10" descr="Deploy your app with Heroku - DEV Community">
-              <a:extLst>
-                <a:ext uri="{FF2B5EF4-FFF2-40B4-BE49-F238E27FC236}">
-                  <a16:creationId xmlns:a16="http://schemas.microsoft.com/office/drawing/2014/main" id="{A7AB453A-F661-44DA-B7D5-5BFE3492E258}"/>
-                </a:ext>
-              </a:extLst>
-            </p:cNvPr>
-            <p:cNvPicPr>
-              <a:picLocks noChangeAspect="1" noChangeArrowheads="1"/>
-            </p:cNvPicPr>
-            <p:nvPr/>
-          </p:nvPicPr>
-          <p:blipFill>
-            <a:blip r:embed="rId8">
-              <a:extLst>
-                <a:ext uri="{28A0092B-C50C-407E-A947-70E740481C1C}">
-                  <a14:useLocalDpi xmlns:a14="http://schemas.microsoft.com/office/drawing/2010/main" val="0"/>
-                </a:ext>
-              </a:extLst>
-            </a:blip>
-            <a:srcRect/>
-            <a:stretch>
-              <a:fillRect/>
-            </a:stretch>
-          </p:blipFill>
-          <p:spPr bwMode="auto">
-            <a:xfrm>
-              <a:off x="8302597" y="5409477"/>
-              <a:ext cx="1647033" cy="717615"/>
-            </a:xfrm>
-            <a:prstGeom prst="rect">
-              <a:avLst/>
-            </a:prstGeom>
-            <a:noFill/>
-            <a:extLst>
-              <a:ext uri="{909E8E84-426E-40DD-AFC4-6F175D3DCCD1}">
-                <a14:hiddenFill xmlns:a14="http://schemas.microsoft.com/office/drawing/2010/main">
-                  <a:solidFill>
-                    <a:srgbClr val="FFFFFF"/>
-                  </a:solidFill>
-                </a14:hiddenFill>
-              </a:ext>
-            </a:extLst>
-          </p:spPr>
-        </p:pic>
-        <p:sp>
-          <p:nvSpPr>
-            <p:cNvPr id="52" name="TextBox 44">
-              <a:extLst>
-                <a:ext uri="{FF2B5EF4-FFF2-40B4-BE49-F238E27FC236}">
-                  <a16:creationId xmlns:a16="http://schemas.microsoft.com/office/drawing/2014/main" id="{A5F066EC-FFDB-4472-BE6B-308605E35A87}"/>
-                </a:ext>
-              </a:extLst>
-            </p:cNvPr>
-            <p:cNvSpPr txBox="1"/>
-            <p:nvPr/>
-          </p:nvSpPr>
-          <p:spPr>
-            <a:xfrm>
-              <a:off x="7720287" y="5100330"/>
-              <a:ext cx="2796930" cy="461355"/>
-            </a:xfrm>
-            <a:prstGeom prst="rect">
-              <a:avLst/>
-            </a:prstGeom>
-            <a:solidFill>
-              <a:srgbClr val="FAFAFA"/>
-            </a:solidFill>
-          </p:spPr>
-          <p:txBody>
-            <a:bodyPr wrap="square">
-              <a:spAutoFit/>
-            </a:bodyPr>
-            <a:lstStyle/>
-            <a:p>
-              <a:pPr algn="ctr"/>
-              <a:r>
-                <a:rPr lang="en-US" sz="2400" b="1" dirty="0">
-                  <a:latin typeface="Angsana New" panose="02020603050405020304" pitchFamily="18" charset="-34"/>
-                  <a:cs typeface="Angsana New" panose="02020603050405020304" pitchFamily="18" charset="-34"/>
-                </a:rPr>
-                <a:t>Platform as a Service (PaaS)</a:t>
-              </a:r>
-            </a:p>
-          </p:txBody>
-        </p:sp>
       </p:grpSp>
     </p:spTree>
     <p:extLst>
@@ -11252,6 +11164,34 @@
 </file>
 
 <file path=customXml/item1.xml><?xml version="1.0" encoding="utf-8"?>
+<p:properties xmlns:p="http://schemas.microsoft.com/office/2006/metadata/properties" xmlns:xsi="http://www.w3.org/2001/XMLSchema-instance" xmlns:pc="http://schemas.microsoft.com/office/infopath/2007/PartnerControls">
+  <documentManagement>
+    <_ip_UnifiedCompliancePolicyUIAction xmlns="http://schemas.microsoft.com/sharepoint/v3" xsi:nil="true"/>
+    <Image xmlns="71af3243-3dd4-4a8d-8c0d-dd76da1f02a5">
+      <Url xsi:nil="true"/>
+      <Description xsi:nil="true"/>
+    </Image>
+    <Status xmlns="71af3243-3dd4-4a8d-8c0d-dd76da1f02a5">Not started</Status>
+    <_ip_UnifiedCompliancePolicyProperties xmlns="http://schemas.microsoft.com/sharepoint/v3" xsi:nil="true"/>
+    <ImageTagsTaxHTField xmlns="71af3243-3dd4-4a8d-8c0d-dd76da1f02a5">
+      <Terms xmlns="http://schemas.microsoft.com/office/infopath/2007/PartnerControls"/>
+    </ImageTagsTaxHTField>
+    <TaxCatchAll xmlns="230e9df3-be65-4c73-a93b-d1236ebd677e"/>
+    <MediaServiceKeyPoints xmlns="71af3243-3dd4-4a8d-8c0d-dd76da1f02a5" xsi:nil="true"/>
+  </documentManagement>
+</p:properties>
+</file>
+
+<file path=customXml/item2.xml><?xml version="1.0" encoding="utf-8"?>
+<?mso-contentType ?>
+<FormTemplates xmlns="http://schemas.microsoft.com/sharepoint/v3/contenttype/forms">
+  <Display>DocumentLibraryForm</Display>
+  <Edit>DocumentLibraryForm</Edit>
+  <New>DocumentLibraryForm</New>
+</FormTemplates>
+</file>
+
+<file path=customXml/item3.xml><?xml version="1.0" encoding="utf-8"?>
 <ct:contentTypeSchema xmlns:ct="http://schemas.microsoft.com/office/2006/metadata/contentType" xmlns:ma="http://schemas.microsoft.com/office/2006/metadata/properties/metaAttributes" ct:_="" ma:_="" ma:contentTypeName="Document" ma:contentTypeID="0x01010079F111ED35F8CC479449609E8A0923A6" ma:contentTypeVersion="21" ma:contentTypeDescription="Create a new document." ma:contentTypeScope="" ma:versionID="64dfb1555687e0874b4304b796b5b0c7">
   <xsd:schema xmlns:xsd="http://www.w3.org/2001/XMLSchema" xmlns:xs="http://www.w3.org/2001/XMLSchema" xmlns:p="http://schemas.microsoft.com/office/2006/metadata/properties" xmlns:ns1="http://schemas.microsoft.com/sharepoint/v3" xmlns:ns2="71af3243-3dd4-4a8d-8c0d-dd76da1f02a5" xmlns:ns3="16c05727-aa75-4e4a-9b5f-8a80a1165891" xmlns:ns4="230e9df3-be65-4c73-a93b-d1236ebd677e" targetNamespace="http://schemas.microsoft.com/office/2006/metadata/properties" ma:root="true" ma:fieldsID="e6e4c555b5e194d05b7203de9c4567b3" ns1:_="" ns2:_="" ns3:_="" ns4:_="">
     <xsd:import namespace="http://schemas.microsoft.com/sharepoint/v3"/>
@@ -11533,35 +11473,27 @@
 </ct:contentTypeSchema>
 </file>
 
-<file path=customXml/item2.xml><?xml version="1.0" encoding="utf-8"?>
-<?mso-contentType ?>
-<FormTemplates xmlns="http://schemas.microsoft.com/sharepoint/v3/contenttype/forms">
-  <Display>DocumentLibraryForm</Display>
-  <Edit>DocumentLibraryForm</Edit>
-  <New>DocumentLibraryForm</New>
-</FormTemplates>
+<file path=customXml/itemProps1.xml><?xml version="1.0" encoding="utf-8"?>
+<ds:datastoreItem xmlns:ds="http://schemas.openxmlformats.org/officeDocument/2006/customXml" ds:itemID="{532BC193-1E5D-42CA-92FB-CB15BBE1F56A}">
+  <ds:schemaRefs>
+    <ds:schemaRef ds:uri="http://schemas.microsoft.com/office/2006/metadata/properties"/>
+    <ds:schemaRef ds:uri="http://schemas.microsoft.com/office/infopath/2007/PartnerControls"/>
+    <ds:schemaRef ds:uri="http://schemas.microsoft.com/sharepoint/v3"/>
+    <ds:schemaRef ds:uri="71af3243-3dd4-4a8d-8c0d-dd76da1f02a5"/>
+    <ds:schemaRef ds:uri="230e9df3-be65-4c73-a93b-d1236ebd677e"/>
+  </ds:schemaRefs>
+</ds:datastoreItem>
 </file>
 
-<file path=customXml/item3.xml><?xml version="1.0" encoding="utf-8"?>
-<p:properties xmlns:p="http://schemas.microsoft.com/office/2006/metadata/properties" xmlns:xsi="http://www.w3.org/2001/XMLSchema-instance" xmlns:pc="http://schemas.microsoft.com/office/infopath/2007/PartnerControls">
-  <documentManagement>
-    <_ip_UnifiedCompliancePolicyUIAction xmlns="http://schemas.microsoft.com/sharepoint/v3" xsi:nil="true"/>
-    <Image xmlns="71af3243-3dd4-4a8d-8c0d-dd76da1f02a5">
-      <Url xsi:nil="true"/>
-      <Description xsi:nil="true"/>
-    </Image>
-    <Status xmlns="71af3243-3dd4-4a8d-8c0d-dd76da1f02a5">Not started</Status>
-    <_ip_UnifiedCompliancePolicyProperties xmlns="http://schemas.microsoft.com/sharepoint/v3" xsi:nil="true"/>
-    <ImageTagsTaxHTField xmlns="71af3243-3dd4-4a8d-8c0d-dd76da1f02a5">
-      <Terms xmlns="http://schemas.microsoft.com/office/infopath/2007/PartnerControls"/>
-    </ImageTagsTaxHTField>
-    <TaxCatchAll xmlns="230e9df3-be65-4c73-a93b-d1236ebd677e"/>
-    <MediaServiceKeyPoints xmlns="71af3243-3dd4-4a8d-8c0d-dd76da1f02a5" xsi:nil="true"/>
-  </documentManagement>
-</p:properties>
+<file path=customXml/itemProps2.xml><?xml version="1.0" encoding="utf-8"?>
+<ds:datastoreItem xmlns:ds="http://schemas.openxmlformats.org/officeDocument/2006/customXml" ds:itemID="{8D1B13BD-E781-417A-B53F-0EDDA23B05BE}">
+  <ds:schemaRefs>
+    <ds:schemaRef ds:uri="http://schemas.microsoft.com/sharepoint/v3/contenttype/forms"/>
+  </ds:schemaRefs>
+</ds:datastoreItem>
 </file>
 
-<file path=customXml/itemProps1.xml><?xml version="1.0" encoding="utf-8"?>
+<file path=customXml/itemProps3.xml><?xml version="1.0" encoding="utf-8"?>
 <ds:datastoreItem xmlns:ds="http://schemas.openxmlformats.org/officeDocument/2006/customXml" ds:itemID="{B94C50BF-B542-4C65-9576-F6A949345C46}">
   <ds:schemaRefs>
     <ds:schemaRef ds:uri="http://schemas.microsoft.com/office/2006/metadata/contentType"/>
@@ -11582,26 +11514,6 @@
 </ds:datastoreItem>
 </file>
 
-<file path=customXml/itemProps2.xml><?xml version="1.0" encoding="utf-8"?>
-<ds:datastoreItem xmlns:ds="http://schemas.openxmlformats.org/officeDocument/2006/customXml" ds:itemID="{8D1B13BD-E781-417A-B53F-0EDDA23B05BE}">
-  <ds:schemaRefs>
-    <ds:schemaRef ds:uri="http://schemas.microsoft.com/sharepoint/v3/contenttype/forms"/>
-  </ds:schemaRefs>
-</ds:datastoreItem>
-</file>
-
-<file path=customXml/itemProps3.xml><?xml version="1.0" encoding="utf-8"?>
-<ds:datastoreItem xmlns:ds="http://schemas.openxmlformats.org/officeDocument/2006/customXml" ds:itemID="{532BC193-1E5D-42CA-92FB-CB15BBE1F56A}">
-  <ds:schemaRefs>
-    <ds:schemaRef ds:uri="http://schemas.microsoft.com/office/2006/metadata/properties"/>
-    <ds:schemaRef ds:uri="http://schemas.microsoft.com/office/infopath/2007/PartnerControls"/>
-    <ds:schemaRef ds:uri="http://schemas.microsoft.com/sharepoint/v3"/>
-    <ds:schemaRef ds:uri="71af3243-3dd4-4a8d-8c0d-dd76da1f02a5"/>
-    <ds:schemaRef ds:uri="230e9df3-be65-4c73-a93b-d1236ebd677e"/>
-  </ds:schemaRefs>
-</ds:datastoreItem>
-</file>
-
 <file path=docMetadata/LabelInfo.xml><?xml version="1.0" encoding="utf-8"?>
 <clbl:labelList xmlns:clbl="http://schemas.microsoft.com/office/2020/mipLabelMetadata">
   <clbl:label id="{f42aa342-8706-4288-bd11-ebb85995028c}" enabled="1" method="Standard" siteId="{72f988bf-86f1-41af-91ab-2d7cd011db47}" removed="0"/>
